--- a/Documentation/P_042_Catalogue.pptx
+++ b/Documentation/P_042_Catalogue.pptx
@@ -10,19 +10,20 @@
     <p:sldId id="258" r:id="rId4"/>
     <p:sldId id="262" r:id="rId5"/>
     <p:sldId id="263" r:id="rId6"/>
-    <p:sldId id="264" r:id="rId7"/>
-    <p:sldId id="265" r:id="rId8"/>
-    <p:sldId id="266" r:id="rId9"/>
-    <p:sldId id="267" r:id="rId10"/>
-    <p:sldId id="268" r:id="rId11"/>
-    <p:sldId id="269" r:id="rId12"/>
-    <p:sldId id="272" r:id="rId13"/>
-    <p:sldId id="259" r:id="rId14"/>
-    <p:sldId id="270" r:id="rId15"/>
-    <p:sldId id="271" r:id="rId16"/>
-    <p:sldId id="273" r:id="rId17"/>
-    <p:sldId id="260" r:id="rId18"/>
-    <p:sldId id="261" r:id="rId19"/>
+    <p:sldId id="274" r:id="rId7"/>
+    <p:sldId id="264" r:id="rId8"/>
+    <p:sldId id="265" r:id="rId9"/>
+    <p:sldId id="266" r:id="rId10"/>
+    <p:sldId id="267" r:id="rId11"/>
+    <p:sldId id="268" r:id="rId12"/>
+    <p:sldId id="269" r:id="rId13"/>
+    <p:sldId id="272" r:id="rId14"/>
+    <p:sldId id="259" r:id="rId15"/>
+    <p:sldId id="270" r:id="rId16"/>
+    <p:sldId id="271" r:id="rId17"/>
+    <p:sldId id="273" r:id="rId18"/>
+    <p:sldId id="260" r:id="rId19"/>
+    <p:sldId id="261" r:id="rId20"/>
   </p:sldIdLst>
   <p:sldSz cx="12192000" cy="6858000"/>
   <p:notesSz cx="6858000" cy="9144000"/>
@@ -3416,6 +3417,141 @@
           <a:p>
             <a:r>
               <a:rPr lang="fr-CH" dirty="0"/>
+              <a:t>Répartition des tâches (</a:t>
+            </a:r>
+            <a:r>
+              <a:rPr lang="fr-CH" dirty="0" err="1"/>
+              <a:t>gomes</a:t>
+            </a:r>
+            <a:r>
+              <a:rPr lang="fr-CH" dirty="0"/>
+              <a:t> </a:t>
+            </a:r>
+            <a:r>
+              <a:rPr lang="fr-CH" dirty="0" err="1"/>
+              <a:t>andré</a:t>
+            </a:r>
+            <a:r>
+              <a:rPr lang="fr-CH" dirty="0"/>
+              <a:t>)</a:t>
+            </a:r>
+          </a:p>
+        </p:txBody>
+      </p:sp>
+      <p:sp>
+        <p:nvSpPr>
+          <p:cNvPr id="9" name="Espace réservé du contenu 8"/>
+          <p:cNvSpPr>
+            <a:spLocks noGrp="1"/>
+          </p:cNvSpPr>
+          <p:nvPr>
+            <p:ph idx="1"/>
+          </p:nvPr>
+        </p:nvSpPr>
+        <p:spPr>
+          <a:xfrm>
+            <a:off x="891588" y="2139696"/>
+            <a:ext cx="10406740" cy="3941064"/>
+          </a:xfrm>
+        </p:spPr>
+        <p:txBody>
+          <a:bodyPr/>
+          <a:lstStyle/>
+          <a:p>
+            <a:pPr marL="0" indent="0">
+              <a:buNone/>
+            </a:pPr>
+            <a:r>
+              <a:rPr lang="fr-CH" dirty="0"/>
+              <a:t>Journal de travail:</a:t>
+            </a:r>
+          </a:p>
+        </p:txBody>
+      </p:sp>
+      <p:pic>
+        <p:nvPicPr>
+          <p:cNvPr id="3" name="Image 2" descr="Capture d’écran"/>
+          <p:cNvPicPr>
+            <a:picLocks noChangeAspect="1"/>
+          </p:cNvPicPr>
+          <p:nvPr/>
+        </p:nvPicPr>
+        <p:blipFill>
+          <a:blip r:embed="rId2">
+            <a:extLst>
+              <a:ext uri="{28A0092B-C50C-407E-A947-70E740481C1C}">
+                <a14:useLocalDpi xmlns:a14="http://schemas.microsoft.com/office/drawing/2010/main" val="0"/>
+              </a:ext>
+            </a:extLst>
+          </a:blip>
+          <a:stretch>
+            <a:fillRect/>
+          </a:stretch>
+        </p:blipFill>
+        <p:spPr>
+          <a:xfrm>
+            <a:off x="891588" y="2456456"/>
+            <a:ext cx="9145276" cy="4305901"/>
+          </a:xfrm>
+          <a:prstGeom prst="rect">
+            <a:avLst/>
+          </a:prstGeom>
+        </p:spPr>
+      </p:pic>
+    </p:spTree>
+    <p:extLst>
+      <p:ext uri="{BB962C8B-B14F-4D97-AF65-F5344CB8AC3E}">
+        <p14:creationId xmlns:p14="http://schemas.microsoft.com/office/powerpoint/2010/main" val="147975502"/>
+      </p:ext>
+    </p:extLst>
+  </p:cSld>
+  <p:clrMapOvr>
+    <a:masterClrMapping/>
+  </p:clrMapOvr>
+  <p:timing>
+    <p:tnLst>
+      <p:par>
+        <p:cTn id="1" dur="indefinite" restart="never" nodeType="tmRoot"/>
+      </p:par>
+    </p:tnLst>
+  </p:timing>
+</p:sld>
+</file>
+
+<file path=ppt/slides/slide11.xml><?xml version="1.0" encoding="utf-8"?>
+<p:sld xmlns:a="http://schemas.openxmlformats.org/drawingml/2006/main" xmlns:r="http://schemas.openxmlformats.org/officeDocument/2006/relationships" xmlns:p="http://schemas.openxmlformats.org/presentationml/2006/main">
+  <p:cSld>
+    <p:spTree>
+      <p:nvGrpSpPr>
+        <p:cNvPr id="1" name=""/>
+        <p:cNvGrpSpPr/>
+        <p:nvPr/>
+      </p:nvGrpSpPr>
+      <p:grpSpPr>
+        <a:xfrm>
+          <a:off x="0" y="0"/>
+          <a:ext cx="0" cy="0"/>
+          <a:chOff x="0" y="0"/>
+          <a:chExt cx="0" cy="0"/>
+        </a:xfrm>
+      </p:grpSpPr>
+      <p:sp>
+        <p:nvSpPr>
+          <p:cNvPr id="2" name="Titre 1"/>
+          <p:cNvSpPr>
+            <a:spLocks noGrp="1"/>
+          </p:cNvSpPr>
+          <p:nvPr>
+            <p:ph type="title"/>
+          </p:nvPr>
+        </p:nvSpPr>
+        <p:spPr/>
+        <p:txBody>
+          <a:bodyPr/>
+          <a:lstStyle/>
+          <a:p>
+            <a:r>
+              <a:rPr lang="fr-CH" dirty="0"/>
               <a:t>Répartition des tâches (Colombo Fabian)</a:t>
             </a:r>
           </a:p>
@@ -3554,7 +3690,7 @@
 </p:sld>
 </file>
 
-<file path=ppt/slides/slide11.xml><?xml version="1.0" encoding="utf-8"?>
+<file path=ppt/slides/slide12.xml><?xml version="1.0" encoding="utf-8"?>
 <p:sld xmlns:a="http://schemas.openxmlformats.org/drawingml/2006/main" xmlns:r="http://schemas.openxmlformats.org/officeDocument/2006/relationships" xmlns:p="http://schemas.openxmlformats.org/presentationml/2006/main">
   <p:cSld>
     <p:spTree>
@@ -3716,7 +3852,7 @@
 </p:sld>
 </file>
 
-<file path=ppt/slides/slide12.xml><?xml version="1.0" encoding="utf-8"?>
+<file path=ppt/slides/slide13.xml><?xml version="1.0" encoding="utf-8"?>
 <p:sld xmlns:a="http://schemas.openxmlformats.org/drawingml/2006/main" xmlns:r="http://schemas.openxmlformats.org/officeDocument/2006/relationships" xmlns:p="http://schemas.openxmlformats.org/presentationml/2006/main">
   <p:cSld>
     <p:spTree>
@@ -3835,120 +3971,6 @@
 </p:sld>
 </file>
 
-<file path=ppt/slides/slide13.xml><?xml version="1.0" encoding="utf-8"?>
-<p:sld xmlns:a="http://schemas.openxmlformats.org/drawingml/2006/main" xmlns:r="http://schemas.openxmlformats.org/officeDocument/2006/relationships" xmlns:p="http://schemas.openxmlformats.org/presentationml/2006/main">
-  <p:cSld>
-    <p:spTree>
-      <p:nvGrpSpPr>
-        <p:cNvPr id="1" name=""/>
-        <p:cNvGrpSpPr/>
-        <p:nvPr/>
-      </p:nvGrpSpPr>
-      <p:grpSpPr>
-        <a:xfrm>
-          <a:off x="0" y="0"/>
-          <a:ext cx="0" cy="0"/>
-          <a:chOff x="0" y="0"/>
-          <a:chExt cx="0" cy="0"/>
-        </a:xfrm>
-      </p:grpSpPr>
-      <p:sp>
-        <p:nvSpPr>
-          <p:cNvPr id="2" name="Titre 1"/>
-          <p:cNvSpPr>
-            <a:spLocks noGrp="1"/>
-          </p:cNvSpPr>
-          <p:nvPr>
-            <p:ph type="title"/>
-          </p:nvPr>
-        </p:nvSpPr>
-        <p:spPr/>
-        <p:txBody>
-          <a:bodyPr/>
-          <a:lstStyle/>
-          <a:p>
-            <a:r>
-              <a:rPr lang="fr-CH" dirty="0"/>
-              <a:t>Base de données</a:t>
-            </a:r>
-          </a:p>
-        </p:txBody>
-      </p:sp>
-      <p:sp>
-        <p:nvSpPr>
-          <p:cNvPr id="3" name="Espace réservé du contenu 2"/>
-          <p:cNvSpPr>
-            <a:spLocks noGrp="1"/>
-          </p:cNvSpPr>
-          <p:nvPr>
-            <p:ph idx="1"/>
-          </p:nvPr>
-        </p:nvSpPr>
-        <p:spPr/>
-        <p:txBody>
-          <a:bodyPr/>
-          <a:lstStyle/>
-          <a:p>
-            <a:r>
-              <a:rPr lang="fr-CH" dirty="0" err="1"/>
-              <a:t>Jmerise</a:t>
-            </a:r>
-            <a:endParaRPr lang="fr-CH" dirty="0"/>
-          </a:p>
-          <a:p>
-            <a:r>
-              <a:rPr lang="fr-CH" dirty="0" smtClean="0"/>
-              <a:t>MCD/MLD</a:t>
-            </a:r>
-            <a:endParaRPr lang="fr-CH" dirty="0"/>
-          </a:p>
-          <a:p>
-            <a:r>
-              <a:rPr lang="fr-CH" dirty="0"/>
-              <a:t>Problèmes </a:t>
-            </a:r>
-            <a:r>
-              <a:rPr lang="fr-CH" dirty="0" smtClean="0"/>
-              <a:t>rencontrés</a:t>
-            </a:r>
-          </a:p>
-          <a:p>
-            <a:r>
-              <a:rPr lang="fr-CH" dirty="0"/>
-              <a:t>DB-Main</a:t>
-            </a:r>
-          </a:p>
-          <a:p>
-            <a:pPr marL="0" indent="0">
-              <a:buNone/>
-            </a:pPr>
-            <a:endParaRPr lang="fr-CH" dirty="0"/>
-          </a:p>
-          <a:p>
-            <a:endParaRPr lang="fr-CH" dirty="0"/>
-          </a:p>
-        </p:txBody>
-      </p:sp>
-    </p:spTree>
-    <p:extLst>
-      <p:ext uri="{BB962C8B-B14F-4D97-AF65-F5344CB8AC3E}">
-        <p14:creationId xmlns:p14="http://schemas.microsoft.com/office/powerpoint/2010/main" val="1670347998"/>
-      </p:ext>
-    </p:extLst>
-  </p:cSld>
-  <p:clrMapOvr>
-    <a:masterClrMapping/>
-  </p:clrMapOvr>
-  <p:timing>
-    <p:tnLst>
-      <p:par>
-        <p:cTn id="1" dur="indefinite" restart="never" nodeType="tmRoot"/>
-      </p:par>
-    </p:tnLst>
-  </p:timing>
-</p:sld>
-</file>
-
 <file path=ppt/slides/slide14.xml><?xml version="1.0" encoding="utf-8"?>
 <p:sld xmlns:a="http://schemas.openxmlformats.org/drawingml/2006/main" xmlns:r="http://schemas.openxmlformats.org/officeDocument/2006/relationships" xmlns:p="http://schemas.openxmlformats.org/presentationml/2006/main">
   <p:cSld>
@@ -3988,66 +4010,65 @@
           </a:p>
         </p:txBody>
       </p:sp>
-      <p:pic>
-        <p:nvPicPr>
-          <p:cNvPr id="7" name="Espace réservé du contenu 6"/>
-          <p:cNvPicPr>
-            <a:picLocks noGrp="1" noChangeAspect="1"/>
-          </p:cNvPicPr>
+      <p:sp>
+        <p:nvSpPr>
+          <p:cNvPr id="3" name="Espace réservé du contenu 2"/>
+          <p:cNvSpPr>
+            <a:spLocks noGrp="1"/>
+          </p:cNvSpPr>
           <p:nvPr>
             <p:ph idx="1"/>
           </p:nvPr>
-        </p:nvPicPr>
-        <p:blipFill>
-          <a:blip r:embed="rId2">
-            <a:extLst>
-              <a:ext uri="{28A0092B-C50C-407E-A947-70E740481C1C}">
-                <a14:useLocalDpi xmlns:a14="http://schemas.microsoft.com/office/drawing/2010/main" val="0"/>
-              </a:ext>
-            </a:extLst>
-          </a:blip>
-          <a:stretch>
-            <a:fillRect/>
-          </a:stretch>
-        </p:blipFill>
-        <p:spPr>
-          <a:xfrm>
-            <a:off x="2987897" y="1895967"/>
-            <a:ext cx="7469748" cy="4814713"/>
-          </a:xfrm>
-        </p:spPr>
-      </p:pic>
-      <p:sp>
-        <p:nvSpPr>
-          <p:cNvPr id="5" name="Espace réservé du texte 4"/>
-          <p:cNvSpPr>
-            <a:spLocks noGrp="1"/>
-          </p:cNvSpPr>
-          <p:nvPr>
-            <p:ph type="body" sz="half" idx="2"/>
-          </p:nvPr>
-        </p:nvSpPr>
-        <p:spPr>
-          <a:xfrm>
-            <a:off x="1202919" y="2337267"/>
-            <a:ext cx="3200400" cy="3432319"/>
-          </a:xfrm>
-        </p:spPr>
-        <p:txBody>
-          <a:bodyPr/>
-          <a:lstStyle/>
-          <a:p>
-            <a:r>
-              <a:rPr lang="fr-CH" dirty="0"/>
-              <a:t>MCD</a:t>
-            </a:r>
+        </p:nvSpPr>
+        <p:spPr/>
+        <p:txBody>
+          <a:bodyPr/>
+          <a:lstStyle/>
+          <a:p>
+            <a:r>
+              <a:rPr lang="fr-CH" dirty="0" err="1"/>
+              <a:t>Jmerise</a:t>
+            </a:r>
+            <a:endParaRPr lang="fr-CH" dirty="0"/>
+          </a:p>
+          <a:p>
+            <a:r>
+              <a:rPr lang="fr-CH" dirty="0" smtClean="0"/>
+              <a:t>MCD/MLD</a:t>
+            </a:r>
+            <a:endParaRPr lang="fr-CH" dirty="0"/>
+          </a:p>
+          <a:p>
+            <a:r>
+              <a:rPr lang="fr-CH" dirty="0"/>
+              <a:t>Problèmes </a:t>
+            </a:r>
+            <a:r>
+              <a:rPr lang="fr-CH" dirty="0" smtClean="0"/>
+              <a:t>rencontrés</a:t>
+            </a:r>
+          </a:p>
+          <a:p>
+            <a:r>
+              <a:rPr lang="fr-CH" dirty="0"/>
+              <a:t>DB-Main</a:t>
+            </a:r>
+          </a:p>
+          <a:p>
+            <a:pPr marL="0" indent="0">
+              <a:buNone/>
+            </a:pPr>
+            <a:endParaRPr lang="fr-CH" dirty="0"/>
+          </a:p>
+          <a:p>
+            <a:endParaRPr lang="fr-CH" dirty="0"/>
           </a:p>
         </p:txBody>
       </p:sp>
     </p:spTree>
     <p:extLst>
       <p:ext uri="{BB962C8B-B14F-4D97-AF65-F5344CB8AC3E}">
-        <p14:creationId xmlns:p14="http://schemas.microsoft.com/office/powerpoint/2010/main" val="728041638"/>
+        <p14:creationId xmlns:p14="http://schemas.microsoft.com/office/powerpoint/2010/main" val="1670347998"/>
       </p:ext>
     </p:extLst>
   </p:cSld>
@@ -4127,8 +4148,8 @@
         </p:blipFill>
         <p:spPr>
           <a:xfrm>
-            <a:off x="3154070" y="1913294"/>
-            <a:ext cx="7213424" cy="4851151"/>
+            <a:off x="2987897" y="1895967"/>
+            <a:ext cx="7469748" cy="4814713"/>
           </a:xfrm>
         </p:spPr>
       </p:pic>
@@ -4154,7 +4175,7 @@
           <a:p>
             <a:r>
               <a:rPr lang="fr-CH" dirty="0"/>
-              <a:t>MLD</a:t>
+              <a:t>MCD</a:t>
             </a:r>
           </a:p>
         </p:txBody>
@@ -4162,7 +4183,7 @@
     </p:spTree>
     <p:extLst>
       <p:ext uri="{BB962C8B-B14F-4D97-AF65-F5344CB8AC3E}">
-        <p14:creationId xmlns:p14="http://schemas.microsoft.com/office/powerpoint/2010/main" val="1044265295"/>
+        <p14:creationId xmlns:p14="http://schemas.microsoft.com/office/powerpoint/2010/main" val="728041638"/>
       </p:ext>
     </p:extLst>
   </p:cSld>
@@ -4218,59 +4239,66 @@
           </a:p>
         </p:txBody>
       </p:sp>
-      <p:sp>
-        <p:nvSpPr>
-          <p:cNvPr id="3" name="Espace réservé du contenu 2"/>
-          <p:cNvSpPr>
-            <a:spLocks noGrp="1"/>
-          </p:cNvSpPr>
+      <p:pic>
+        <p:nvPicPr>
+          <p:cNvPr id="7" name="Espace réservé du contenu 6"/>
+          <p:cNvPicPr>
+            <a:picLocks noGrp="1" noChangeAspect="1"/>
+          </p:cNvPicPr>
           <p:nvPr>
             <p:ph idx="1"/>
           </p:nvPr>
-        </p:nvSpPr>
-        <p:spPr/>
-        <p:txBody>
-          <a:bodyPr/>
-          <a:lstStyle/>
-          <a:p>
-            <a:r>
-              <a:rPr lang="fr-CH" dirty="0" err="1" smtClean="0"/>
-              <a:t>Jmerise</a:t>
-            </a:r>
-            <a:endParaRPr lang="fr-CH" dirty="0"/>
-          </a:p>
-          <a:p>
-            <a:r>
-              <a:rPr lang="fr-CH" dirty="0"/>
-              <a:t>MCD/MLD</a:t>
-            </a:r>
-          </a:p>
-          <a:p>
-            <a:r>
-              <a:rPr lang="fr-CH" dirty="0"/>
-              <a:t>Problèmes </a:t>
-            </a:r>
-            <a:r>
-              <a:rPr lang="fr-CH" dirty="0" smtClean="0"/>
-              <a:t>rencontrés</a:t>
-            </a:r>
-          </a:p>
-          <a:p>
-            <a:r>
-              <a:rPr lang="fr-CH" dirty="0" smtClean="0"/>
-              <a:t>DB-Main</a:t>
-            </a:r>
-            <a:endParaRPr lang="fr-CH" dirty="0"/>
-          </a:p>
-          <a:p>
-            <a:endParaRPr lang="fr-CH" dirty="0"/>
+        </p:nvPicPr>
+        <p:blipFill>
+          <a:blip r:embed="rId2">
+            <a:extLst>
+              <a:ext uri="{28A0092B-C50C-407E-A947-70E740481C1C}">
+                <a14:useLocalDpi xmlns:a14="http://schemas.microsoft.com/office/drawing/2010/main" val="0"/>
+              </a:ext>
+            </a:extLst>
+          </a:blip>
+          <a:stretch>
+            <a:fillRect/>
+          </a:stretch>
+        </p:blipFill>
+        <p:spPr>
+          <a:xfrm>
+            <a:off x="3154070" y="1913294"/>
+            <a:ext cx="7213424" cy="4851151"/>
+          </a:xfrm>
+        </p:spPr>
+      </p:pic>
+      <p:sp>
+        <p:nvSpPr>
+          <p:cNvPr id="5" name="Espace réservé du texte 4"/>
+          <p:cNvSpPr>
+            <a:spLocks noGrp="1"/>
+          </p:cNvSpPr>
+          <p:nvPr>
+            <p:ph type="body" sz="half" idx="2"/>
+          </p:nvPr>
+        </p:nvSpPr>
+        <p:spPr>
+          <a:xfrm>
+            <a:off x="1202919" y="2337267"/>
+            <a:ext cx="3200400" cy="3432319"/>
+          </a:xfrm>
+        </p:spPr>
+        <p:txBody>
+          <a:bodyPr/>
+          <a:lstStyle/>
+          <a:p>
+            <a:r>
+              <a:rPr lang="fr-CH" dirty="0"/>
+              <a:t>MLD</a:t>
+            </a:r>
           </a:p>
         </p:txBody>
       </p:sp>
     </p:spTree>
     <p:extLst>
       <p:ext uri="{BB962C8B-B14F-4D97-AF65-F5344CB8AC3E}">
-        <p14:creationId xmlns:p14="http://schemas.microsoft.com/office/powerpoint/2010/main" val="2283238986"/>
+        <p14:creationId xmlns:p14="http://schemas.microsoft.com/office/powerpoint/2010/main" val="1044265295"/>
       </p:ext>
     </p:extLst>
   </p:cSld>
@@ -4321,6 +4349,114 @@
           <a:p>
             <a:r>
               <a:rPr lang="fr-CH" dirty="0"/>
+              <a:t>Base de données</a:t>
+            </a:r>
+          </a:p>
+        </p:txBody>
+      </p:sp>
+      <p:sp>
+        <p:nvSpPr>
+          <p:cNvPr id="3" name="Espace réservé du contenu 2"/>
+          <p:cNvSpPr>
+            <a:spLocks noGrp="1"/>
+          </p:cNvSpPr>
+          <p:nvPr>
+            <p:ph idx="1"/>
+          </p:nvPr>
+        </p:nvSpPr>
+        <p:spPr/>
+        <p:txBody>
+          <a:bodyPr/>
+          <a:lstStyle/>
+          <a:p>
+            <a:r>
+              <a:rPr lang="fr-CH" dirty="0" err="1" smtClean="0"/>
+              <a:t>Jmerise</a:t>
+            </a:r>
+            <a:endParaRPr lang="fr-CH" dirty="0"/>
+          </a:p>
+          <a:p>
+            <a:r>
+              <a:rPr lang="fr-CH" dirty="0"/>
+              <a:t>MCD/MLD</a:t>
+            </a:r>
+          </a:p>
+          <a:p>
+            <a:r>
+              <a:rPr lang="fr-CH" dirty="0"/>
+              <a:t>Problèmes </a:t>
+            </a:r>
+            <a:r>
+              <a:rPr lang="fr-CH" dirty="0" smtClean="0"/>
+              <a:t>rencontrés</a:t>
+            </a:r>
+          </a:p>
+          <a:p>
+            <a:r>
+              <a:rPr lang="fr-CH" dirty="0" smtClean="0"/>
+              <a:t>DB-Main</a:t>
+            </a:r>
+            <a:endParaRPr lang="fr-CH" dirty="0"/>
+          </a:p>
+          <a:p>
+            <a:endParaRPr lang="fr-CH" dirty="0"/>
+          </a:p>
+        </p:txBody>
+      </p:sp>
+    </p:spTree>
+    <p:extLst>
+      <p:ext uri="{BB962C8B-B14F-4D97-AF65-F5344CB8AC3E}">
+        <p14:creationId xmlns:p14="http://schemas.microsoft.com/office/powerpoint/2010/main" val="2283238986"/>
+      </p:ext>
+    </p:extLst>
+  </p:cSld>
+  <p:clrMapOvr>
+    <a:masterClrMapping/>
+  </p:clrMapOvr>
+  <p:timing>
+    <p:tnLst>
+      <p:par>
+        <p:cTn id="1" dur="indefinite" restart="never" nodeType="tmRoot"/>
+      </p:par>
+    </p:tnLst>
+  </p:timing>
+</p:sld>
+</file>
+
+<file path=ppt/slides/slide18.xml><?xml version="1.0" encoding="utf-8"?>
+<p:sld xmlns:a="http://schemas.openxmlformats.org/drawingml/2006/main" xmlns:r="http://schemas.openxmlformats.org/officeDocument/2006/relationships" xmlns:p="http://schemas.openxmlformats.org/presentationml/2006/main">
+  <p:cSld>
+    <p:spTree>
+      <p:nvGrpSpPr>
+        <p:cNvPr id="1" name=""/>
+        <p:cNvGrpSpPr/>
+        <p:nvPr/>
+      </p:nvGrpSpPr>
+      <p:grpSpPr>
+        <a:xfrm>
+          <a:off x="0" y="0"/>
+          <a:ext cx="0" cy="0"/>
+          <a:chOff x="0" y="0"/>
+          <a:chExt cx="0" cy="0"/>
+        </a:xfrm>
+      </p:grpSpPr>
+      <p:sp>
+        <p:nvSpPr>
+          <p:cNvPr id="2" name="Titre 1"/>
+          <p:cNvSpPr>
+            <a:spLocks noGrp="1"/>
+          </p:cNvSpPr>
+          <p:nvPr>
+            <p:ph type="title"/>
+          </p:nvPr>
+        </p:nvSpPr>
+        <p:spPr/>
+        <p:txBody>
+          <a:bodyPr/>
+          <a:lstStyle/>
+          <a:p>
+            <a:r>
+              <a:rPr lang="fr-CH" dirty="0"/>
               <a:t>Site</a:t>
             </a:r>
           </a:p>
@@ -4386,7 +4522,7 @@
 </p:sld>
 </file>
 
-<file path=ppt/slides/slide18.xml><?xml version="1.0" encoding="utf-8"?>
+<file path=ppt/slides/slide19.xml><?xml version="1.0" encoding="utf-8"?>
 <p:sld xmlns:a="http://schemas.openxmlformats.org/drawingml/2006/main" xmlns:r="http://schemas.openxmlformats.org/officeDocument/2006/relationships" xmlns:p="http://schemas.openxmlformats.org/presentationml/2006/main">
   <p:cSld>
     <p:spTree>
@@ -5168,36 +5304,115 @@
           </a:p>
         </p:txBody>
       </p:sp>
-      <p:sp>
-        <p:nvSpPr>
-          <p:cNvPr id="9" name="Espace réservé du contenu 8"/>
-          <p:cNvSpPr>
-            <a:spLocks noGrp="1"/>
-          </p:cNvSpPr>
+      <p:pic>
+        <p:nvPicPr>
+          <p:cNvPr id="4" name="Espace réservé du contenu 3"/>
+          <p:cNvPicPr>
+            <a:picLocks noGrp="1" noChangeAspect="1"/>
+          </p:cNvPicPr>
           <p:nvPr>
             <p:ph idx="1"/>
           </p:nvPr>
-        </p:nvSpPr>
+        </p:nvPicPr>
+        <p:blipFill rotWithShape="1">
+          <a:blip r:embed="rId2"/>
+          <a:srcRect l="13410" t="15005" r="66517" b="56956"/>
+          <a:stretch/>
+        </p:blipFill>
         <p:spPr>
           <a:xfrm>
-            <a:off x="891588" y="2139696"/>
-            <a:ext cx="10406740" cy="3941064"/>
+            <a:off x="1202919" y="2633472"/>
+            <a:ext cx="3694766" cy="3225546"/>
           </a:xfrm>
+          <a:prstGeom prst="rect">
+            <a:avLst/>
+          </a:prstGeom>
         </p:spPr>
-        <p:txBody>
-          <a:bodyPr/>
-          <a:lstStyle/>
-          <a:p>
-            <a:pPr marL="0" indent="0">
-              <a:buNone/>
-            </a:pPr>
-            <a:r>
-              <a:rPr lang="fr-CH" dirty="0"/>
-              <a:t>Journal de travail:</a:t>
-            </a:r>
-          </a:p>
-        </p:txBody>
-      </p:sp>
+      </p:pic>
+      <p:sp>
+        <p:nvSpPr>
+          <p:cNvPr id="6" name="ZoneTexte 5"/>
+          <p:cNvSpPr txBox="1"/>
+          <p:nvPr/>
+        </p:nvSpPr>
+        <p:spPr>
+          <a:xfrm>
+            <a:off x="1202919" y="2072828"/>
+            <a:ext cx="3625113" cy="461665"/>
+          </a:xfrm>
+          <a:prstGeom prst="rect">
+            <a:avLst/>
+          </a:prstGeom>
+          <a:noFill/>
+        </p:spPr>
+        <p:txBody>
+          <a:bodyPr wrap="square" rtlCol="0">
+            <a:spAutoFit/>
+          </a:bodyPr>
+          <a:lstStyle/>
+          <a:p>
+            <a:r>
+              <a:rPr lang="fr-CH" sz="2400" dirty="0" smtClean="0"/>
+              <a:t>Page de détails</a:t>
+            </a:r>
+            <a:endParaRPr lang="fr-CH" sz="2400" dirty="0"/>
+          </a:p>
+        </p:txBody>
+      </p:sp>
+      <p:sp>
+        <p:nvSpPr>
+          <p:cNvPr id="7" name="ZoneTexte 6"/>
+          <p:cNvSpPr txBox="1"/>
+          <p:nvPr/>
+        </p:nvSpPr>
+        <p:spPr>
+          <a:xfrm>
+            <a:off x="5742432" y="2072828"/>
+            <a:ext cx="3886200" cy="461665"/>
+          </a:xfrm>
+          <a:prstGeom prst="rect">
+            <a:avLst/>
+          </a:prstGeom>
+          <a:noFill/>
+        </p:spPr>
+        <p:txBody>
+          <a:bodyPr wrap="square" rtlCol="0">
+            <a:spAutoFit/>
+          </a:bodyPr>
+          <a:lstStyle/>
+          <a:p>
+            <a:r>
+              <a:rPr lang="fr-CH" sz="2400" dirty="0" smtClean="0"/>
+              <a:t>Code de la page (requêtes)</a:t>
+            </a:r>
+            <a:endParaRPr lang="fr-CH" sz="2400" dirty="0"/>
+          </a:p>
+        </p:txBody>
+      </p:sp>
+      <p:pic>
+        <p:nvPicPr>
+          <p:cNvPr id="9" name="Image 8"/>
+          <p:cNvPicPr>
+            <a:picLocks noChangeAspect="1"/>
+          </p:cNvPicPr>
+          <p:nvPr/>
+        </p:nvPicPr>
+        <p:blipFill>
+          <a:blip r:embed="rId3"/>
+          <a:stretch>
+            <a:fillRect/>
+          </a:stretch>
+        </p:blipFill>
+        <p:spPr>
+          <a:xfrm>
+            <a:off x="5742432" y="2534494"/>
+            <a:ext cx="3269758" cy="1809478"/>
+          </a:xfrm>
+          <a:prstGeom prst="rect">
+            <a:avLst/>
+          </a:prstGeom>
+        </p:spPr>
+      </p:pic>
       <p:pic>
         <p:nvPicPr>
           <p:cNvPr id="10" name="Image 9"/>
@@ -5206,15 +5421,169 @@
           </p:cNvPicPr>
           <p:nvPr/>
         </p:nvPicPr>
+        <p:blipFill>
+          <a:blip r:embed="rId4"/>
+          <a:stretch>
+            <a:fillRect/>
+          </a:stretch>
+        </p:blipFill>
+        <p:spPr>
+          <a:xfrm>
+            <a:off x="5742432" y="4452447"/>
+            <a:ext cx="2926080" cy="1933303"/>
+          </a:xfrm>
+          <a:prstGeom prst="rect">
+            <a:avLst/>
+          </a:prstGeom>
+        </p:spPr>
+      </p:pic>
+      <p:pic>
+        <p:nvPicPr>
+          <p:cNvPr id="11" name="Image 10"/>
+          <p:cNvPicPr>
+            <a:picLocks noChangeAspect="1"/>
+          </p:cNvPicPr>
+          <p:nvPr/>
+        </p:nvPicPr>
+        <p:blipFill>
+          <a:blip r:embed="rId5"/>
+          <a:stretch>
+            <a:fillRect/>
+          </a:stretch>
+        </p:blipFill>
+        <p:spPr>
+          <a:xfrm>
+            <a:off x="5742432" y="5882721"/>
+            <a:ext cx="5669280" cy="503029"/>
+          </a:xfrm>
+          <a:prstGeom prst="rect">
+            <a:avLst/>
+          </a:prstGeom>
+        </p:spPr>
+      </p:pic>
+      <p:pic>
+        <p:nvPicPr>
+          <p:cNvPr id="12" name="Image 11"/>
+          <p:cNvPicPr>
+            <a:picLocks noChangeAspect="1"/>
+          </p:cNvPicPr>
+          <p:nvPr/>
+        </p:nvPicPr>
+        <p:blipFill>
+          <a:blip r:embed="rId6"/>
+          <a:stretch>
+            <a:fillRect/>
+          </a:stretch>
+        </p:blipFill>
+        <p:spPr>
+          <a:xfrm>
+            <a:off x="5742432" y="3874199"/>
+            <a:ext cx="5206651" cy="469773"/>
+          </a:xfrm>
+          <a:prstGeom prst="rect">
+            <a:avLst/>
+          </a:prstGeom>
+        </p:spPr>
+      </p:pic>
+    </p:spTree>
+    <p:extLst>
+      <p:ext uri="{BB962C8B-B14F-4D97-AF65-F5344CB8AC3E}">
+        <p14:creationId xmlns:p14="http://schemas.microsoft.com/office/powerpoint/2010/main" val="1339276590"/>
+      </p:ext>
+    </p:extLst>
+  </p:cSld>
+  <p:clrMapOvr>
+    <a:masterClrMapping/>
+  </p:clrMapOvr>
+</p:sld>
+</file>
+
+<file path=ppt/slides/slide7.xml><?xml version="1.0" encoding="utf-8"?>
+<p:sld xmlns:a="http://schemas.openxmlformats.org/drawingml/2006/main" xmlns:r="http://schemas.openxmlformats.org/officeDocument/2006/relationships" xmlns:p="http://schemas.openxmlformats.org/presentationml/2006/main">
+  <p:cSld>
+    <p:spTree>
+      <p:nvGrpSpPr>
+        <p:cNvPr id="1" name=""/>
+        <p:cNvGrpSpPr/>
+        <p:nvPr/>
+      </p:nvGrpSpPr>
+      <p:grpSpPr>
+        <a:xfrm>
+          <a:off x="0" y="0"/>
+          <a:ext cx="0" cy="0"/>
+          <a:chOff x="0" y="0"/>
+          <a:chExt cx="0" cy="0"/>
+        </a:xfrm>
+      </p:grpSpPr>
+      <p:sp>
+        <p:nvSpPr>
+          <p:cNvPr id="2" name="Titre 1"/>
+          <p:cNvSpPr>
+            <a:spLocks noGrp="1"/>
+          </p:cNvSpPr>
+          <p:nvPr>
+            <p:ph type="title"/>
+          </p:nvPr>
+        </p:nvSpPr>
+        <p:spPr/>
+        <p:txBody>
+          <a:bodyPr/>
+          <a:lstStyle/>
+          <a:p>
+            <a:r>
+              <a:rPr lang="fr-CH" dirty="0"/>
+              <a:t>Répartition des tâches (Lopez JIMMY)</a:t>
+            </a:r>
+          </a:p>
+        </p:txBody>
+      </p:sp>
+      <p:sp>
+        <p:nvSpPr>
+          <p:cNvPr id="9" name="Espace réservé du contenu 8"/>
+          <p:cNvSpPr>
+            <a:spLocks noGrp="1"/>
+          </p:cNvSpPr>
+          <p:nvPr>
+            <p:ph idx="1"/>
+          </p:nvPr>
+        </p:nvSpPr>
+        <p:spPr>
+          <a:xfrm>
+            <a:off x="891588" y="2139696"/>
+            <a:ext cx="10406740" cy="3941064"/>
+          </a:xfrm>
+        </p:spPr>
+        <p:txBody>
+          <a:bodyPr/>
+          <a:lstStyle/>
+          <a:p>
+            <a:pPr marL="0" indent="0">
+              <a:buNone/>
+            </a:pPr>
+            <a:r>
+              <a:rPr lang="fr-CH" dirty="0"/>
+              <a:t>Journal de travail:</a:t>
+            </a:r>
+          </a:p>
+        </p:txBody>
+      </p:sp>
+      <p:pic>
+        <p:nvPicPr>
+          <p:cNvPr id="3" name="Image 2"/>
+          <p:cNvPicPr>
+            <a:picLocks noChangeAspect="1"/>
+          </p:cNvPicPr>
+          <p:nvPr/>
+        </p:nvPicPr>
         <p:blipFill rotWithShape="1">
           <a:blip r:embed="rId2"/>
-          <a:srcRect l="1849" t="36330" r="34955" b="30614"/>
+          <a:srcRect l="2025" t="31124" r="35465" b="38728"/>
           <a:stretch/>
         </p:blipFill>
         <p:spPr>
           <a:xfrm>
-            <a:off x="891588" y="2678569"/>
-            <a:ext cx="10406740" cy="3402191"/>
+            <a:off x="765292" y="2867660"/>
+            <a:ext cx="10659332" cy="3213100"/>
           </a:xfrm>
           <a:prstGeom prst="rect">
             <a:avLst/>
@@ -5241,7 +5610,7 @@
 </p:sld>
 </file>
 
-<file path=ppt/slides/slide7.xml><?xml version="1.0" encoding="utf-8"?>
+<file path=ppt/slides/slide8.xml><?xml version="1.0" encoding="utf-8"?>
 <p:sld xmlns:a="http://schemas.openxmlformats.org/drawingml/2006/main" xmlns:r="http://schemas.openxmlformats.org/officeDocument/2006/relationships" xmlns:p="http://schemas.openxmlformats.org/presentationml/2006/main">
   <p:cSld>
     <p:spTree>
@@ -5421,7 +5790,7 @@
 </p:sld>
 </file>
 
-<file path=ppt/slides/slide8.xml><?xml version="1.0" encoding="utf-8"?>
+<file path=ppt/slides/slide9.xml><?xml version="1.0" encoding="utf-8"?>
 <p:sld xmlns:a="http://schemas.openxmlformats.org/drawingml/2006/main" xmlns:r="http://schemas.openxmlformats.org/officeDocument/2006/relationships" xmlns:p="http://schemas.openxmlformats.org/presentationml/2006/main">
   <p:cSld>
     <p:spTree>
@@ -5575,141 +5944,6 @@
     <p:extLst>
       <p:ext uri="{BB962C8B-B14F-4D97-AF65-F5344CB8AC3E}">
         <p14:creationId xmlns:p14="http://schemas.microsoft.com/office/powerpoint/2010/main" val="2258585047"/>
-      </p:ext>
-    </p:extLst>
-  </p:cSld>
-  <p:clrMapOvr>
-    <a:masterClrMapping/>
-  </p:clrMapOvr>
-  <p:timing>
-    <p:tnLst>
-      <p:par>
-        <p:cTn id="1" dur="indefinite" restart="never" nodeType="tmRoot"/>
-      </p:par>
-    </p:tnLst>
-  </p:timing>
-</p:sld>
-</file>
-
-<file path=ppt/slides/slide9.xml><?xml version="1.0" encoding="utf-8"?>
-<p:sld xmlns:a="http://schemas.openxmlformats.org/drawingml/2006/main" xmlns:r="http://schemas.openxmlformats.org/officeDocument/2006/relationships" xmlns:p="http://schemas.openxmlformats.org/presentationml/2006/main">
-  <p:cSld>
-    <p:spTree>
-      <p:nvGrpSpPr>
-        <p:cNvPr id="1" name=""/>
-        <p:cNvGrpSpPr/>
-        <p:nvPr/>
-      </p:nvGrpSpPr>
-      <p:grpSpPr>
-        <a:xfrm>
-          <a:off x="0" y="0"/>
-          <a:ext cx="0" cy="0"/>
-          <a:chOff x="0" y="0"/>
-          <a:chExt cx="0" cy="0"/>
-        </a:xfrm>
-      </p:grpSpPr>
-      <p:sp>
-        <p:nvSpPr>
-          <p:cNvPr id="2" name="Titre 1"/>
-          <p:cNvSpPr>
-            <a:spLocks noGrp="1"/>
-          </p:cNvSpPr>
-          <p:nvPr>
-            <p:ph type="title"/>
-          </p:nvPr>
-        </p:nvSpPr>
-        <p:spPr/>
-        <p:txBody>
-          <a:bodyPr/>
-          <a:lstStyle/>
-          <a:p>
-            <a:r>
-              <a:rPr lang="fr-CH" dirty="0"/>
-              <a:t>Répartition des tâches (</a:t>
-            </a:r>
-            <a:r>
-              <a:rPr lang="fr-CH" dirty="0" err="1"/>
-              <a:t>gomes</a:t>
-            </a:r>
-            <a:r>
-              <a:rPr lang="fr-CH" dirty="0"/>
-              <a:t> </a:t>
-            </a:r>
-            <a:r>
-              <a:rPr lang="fr-CH" dirty="0" err="1"/>
-              <a:t>andré</a:t>
-            </a:r>
-            <a:r>
-              <a:rPr lang="fr-CH" dirty="0"/>
-              <a:t>)</a:t>
-            </a:r>
-          </a:p>
-        </p:txBody>
-      </p:sp>
-      <p:sp>
-        <p:nvSpPr>
-          <p:cNvPr id="9" name="Espace réservé du contenu 8"/>
-          <p:cNvSpPr>
-            <a:spLocks noGrp="1"/>
-          </p:cNvSpPr>
-          <p:nvPr>
-            <p:ph idx="1"/>
-          </p:nvPr>
-        </p:nvSpPr>
-        <p:spPr>
-          <a:xfrm>
-            <a:off x="891588" y="2139696"/>
-            <a:ext cx="10406740" cy="3941064"/>
-          </a:xfrm>
-        </p:spPr>
-        <p:txBody>
-          <a:bodyPr/>
-          <a:lstStyle/>
-          <a:p>
-            <a:pPr marL="0" indent="0">
-              <a:buNone/>
-            </a:pPr>
-            <a:r>
-              <a:rPr lang="fr-CH" dirty="0"/>
-              <a:t>Journal de travail:</a:t>
-            </a:r>
-          </a:p>
-        </p:txBody>
-      </p:sp>
-      <p:pic>
-        <p:nvPicPr>
-          <p:cNvPr id="3" name="Image 2" descr="Capture d’écran"/>
-          <p:cNvPicPr>
-            <a:picLocks noChangeAspect="1"/>
-          </p:cNvPicPr>
-          <p:nvPr/>
-        </p:nvPicPr>
-        <p:blipFill>
-          <a:blip r:embed="rId2">
-            <a:extLst>
-              <a:ext uri="{28A0092B-C50C-407E-A947-70E740481C1C}">
-                <a14:useLocalDpi xmlns:a14="http://schemas.microsoft.com/office/drawing/2010/main" val="0"/>
-              </a:ext>
-            </a:extLst>
-          </a:blip>
-          <a:stretch>
-            <a:fillRect/>
-          </a:stretch>
-        </p:blipFill>
-        <p:spPr>
-          <a:xfrm>
-            <a:off x="891588" y="2456456"/>
-            <a:ext cx="9145276" cy="4305901"/>
-          </a:xfrm>
-          <a:prstGeom prst="rect">
-            <a:avLst/>
-          </a:prstGeom>
-        </p:spPr>
-      </p:pic>
-    </p:spTree>
-    <p:extLst>
-      <p:ext uri="{BB962C8B-B14F-4D97-AF65-F5344CB8AC3E}">
-        <p14:creationId xmlns:p14="http://schemas.microsoft.com/office/powerpoint/2010/main" val="147975502"/>
       </p:ext>
     </p:extLst>
   </p:cSld>
